--- a/ppt 16-9/0930.主心中的信徒.pptx
+++ b/ppt 16-9/0930.主心中的信徒.pptx
@@ -129,7 +129,7 @@
           <p:cNvPr id="2" name="标题 1">
             <a:extLst>
               <a:ext uri="{FF2B5EF4-FFF2-40B4-BE49-F238E27FC236}">
-                <a16:creationId xmlns:a16="http://schemas.microsoft.com/office/drawing/2014/main" id="{40571B12-E58F-514B-ABE6-F1DCA1DD46BA}"/>
+                <a16:creationId xmlns:a16="http://schemas.microsoft.com/office/drawing/2014/main" id="{BFD9EA20-702B-BCCB-88F1-DBBCA38FCC98}"/>
               </a:ext>
             </a:extLst>
           </p:cNvPr>
@@ -166,7 +166,7 @@
           <p:cNvPr id="3" name="副标题 2">
             <a:extLst>
               <a:ext uri="{FF2B5EF4-FFF2-40B4-BE49-F238E27FC236}">
-                <a16:creationId xmlns:a16="http://schemas.microsoft.com/office/drawing/2014/main" id="{07F2D26E-C76F-1D2B-CFE9-086B281DD819}"/>
+                <a16:creationId xmlns:a16="http://schemas.microsoft.com/office/drawing/2014/main" id="{5078E7CF-A55B-5535-3362-923155D5E74C}"/>
               </a:ext>
             </a:extLst>
           </p:cNvPr>
@@ -236,7 +236,7 @@
           <p:cNvPr id="4" name="日期占位符 3">
             <a:extLst>
               <a:ext uri="{FF2B5EF4-FFF2-40B4-BE49-F238E27FC236}">
-                <a16:creationId xmlns:a16="http://schemas.microsoft.com/office/drawing/2014/main" id="{921385D6-F0CD-634D-B72B-FD6C3167BD29}"/>
+                <a16:creationId xmlns:a16="http://schemas.microsoft.com/office/drawing/2014/main" id="{55BAABF0-19D9-7EC9-EFD6-E214B86F0693}"/>
               </a:ext>
             </a:extLst>
           </p:cNvPr>
@@ -252,7 +252,7 @@
           <a:bodyPr/>
           <a:lstStyle/>
           <a:p>
-            <a:fld id="{B0DE679F-9A7F-4F8F-ACEA-72E189EFFD18}" type="datetimeFigureOut">
+            <a:fld id="{7F365D89-E398-4FB1-AA55-565934BDF833}" type="datetimeFigureOut">
               <a:rPr lang="zh-CN" altLang="en-US" smtClean="0"/>
               <a:t>2024/3/10</a:t>
             </a:fld>
@@ -265,7 +265,7 @@
           <p:cNvPr id="5" name="页脚占位符 4">
             <a:extLst>
               <a:ext uri="{FF2B5EF4-FFF2-40B4-BE49-F238E27FC236}">
-                <a16:creationId xmlns:a16="http://schemas.microsoft.com/office/drawing/2014/main" id="{AD25624D-120B-BF2A-D5CC-E5BE385C49B1}"/>
+                <a16:creationId xmlns:a16="http://schemas.microsoft.com/office/drawing/2014/main" id="{B17CC56F-D1D7-AA68-86A1-3EDAE693954B}"/>
               </a:ext>
             </a:extLst>
           </p:cNvPr>
@@ -290,7 +290,7 @@
           <p:cNvPr id="6" name="灯片编号占位符 5">
             <a:extLst>
               <a:ext uri="{FF2B5EF4-FFF2-40B4-BE49-F238E27FC236}">
-                <a16:creationId xmlns:a16="http://schemas.microsoft.com/office/drawing/2014/main" id="{805FA11B-5DEC-AEA8-B0CE-655E3BBA9C7E}"/>
+                <a16:creationId xmlns:a16="http://schemas.microsoft.com/office/drawing/2014/main" id="{C1EC51A6-8547-EEC2-9A0D-D5BE03FAA3A2}"/>
               </a:ext>
             </a:extLst>
           </p:cNvPr>
@@ -306,7 +306,7 @@
           <a:bodyPr/>
           <a:lstStyle/>
           <a:p>
-            <a:fld id="{830B3864-C097-4154-8E65-D8FC3325C949}" type="slidenum">
+            <a:fld id="{C59F0717-8D99-4FE9-9E77-6867175EBD4E}" type="slidenum">
               <a:rPr lang="zh-CN" altLang="en-US" smtClean="0"/>
               <a:t>‹#›</a:t>
             </a:fld>
@@ -317,7 +317,7 @@
     </p:spTree>
     <p:extLst>
       <p:ext uri="{BB962C8B-B14F-4D97-AF65-F5344CB8AC3E}">
-        <p14:creationId xmlns:p14="http://schemas.microsoft.com/office/powerpoint/2010/main" val="180419950"/>
+        <p14:creationId xmlns:p14="http://schemas.microsoft.com/office/powerpoint/2010/main" val="937686541"/>
       </p:ext>
     </p:extLst>
   </p:cSld>
@@ -349,7 +349,7 @@
           <p:cNvPr id="2" name="标题 1">
             <a:extLst>
               <a:ext uri="{FF2B5EF4-FFF2-40B4-BE49-F238E27FC236}">
-                <a16:creationId xmlns:a16="http://schemas.microsoft.com/office/drawing/2014/main" id="{EA58E90A-A960-D64A-DA83-D3C20C7A335E}"/>
+                <a16:creationId xmlns:a16="http://schemas.microsoft.com/office/drawing/2014/main" id="{7756179F-78D3-B577-FAF2-1C9322E9F551}"/>
               </a:ext>
             </a:extLst>
           </p:cNvPr>
@@ -377,7 +377,7 @@
           <p:cNvPr id="3" name="竖排文字占位符 2">
             <a:extLst>
               <a:ext uri="{FF2B5EF4-FFF2-40B4-BE49-F238E27FC236}">
-                <a16:creationId xmlns:a16="http://schemas.microsoft.com/office/drawing/2014/main" id="{D55CD8AE-000E-7864-7A65-7C0E9F37066D}"/>
+                <a16:creationId xmlns:a16="http://schemas.microsoft.com/office/drawing/2014/main" id="{BCBE013F-AB61-2B08-5B14-4EF17613D700}"/>
               </a:ext>
             </a:extLst>
           </p:cNvPr>
@@ -434,7 +434,7 @@
           <p:cNvPr id="4" name="日期占位符 3">
             <a:extLst>
               <a:ext uri="{FF2B5EF4-FFF2-40B4-BE49-F238E27FC236}">
-                <a16:creationId xmlns:a16="http://schemas.microsoft.com/office/drawing/2014/main" id="{65181895-F8FD-2E2D-6702-F4CE65C200CE}"/>
+                <a16:creationId xmlns:a16="http://schemas.microsoft.com/office/drawing/2014/main" id="{09A4D977-DC06-336C-111A-ABA9EC48D4C9}"/>
               </a:ext>
             </a:extLst>
           </p:cNvPr>
@@ -450,7 +450,7 @@
           <a:bodyPr/>
           <a:lstStyle/>
           <a:p>
-            <a:fld id="{B0DE679F-9A7F-4F8F-ACEA-72E189EFFD18}" type="datetimeFigureOut">
+            <a:fld id="{7F365D89-E398-4FB1-AA55-565934BDF833}" type="datetimeFigureOut">
               <a:rPr lang="zh-CN" altLang="en-US" smtClean="0"/>
               <a:t>2024/3/10</a:t>
             </a:fld>
@@ -463,7 +463,7 @@
           <p:cNvPr id="5" name="页脚占位符 4">
             <a:extLst>
               <a:ext uri="{FF2B5EF4-FFF2-40B4-BE49-F238E27FC236}">
-                <a16:creationId xmlns:a16="http://schemas.microsoft.com/office/drawing/2014/main" id="{8FCFF1B4-AB1B-9FEA-6F6B-D8491F765444}"/>
+                <a16:creationId xmlns:a16="http://schemas.microsoft.com/office/drawing/2014/main" id="{C53E957D-34D7-0876-B9BB-6C012817C73B}"/>
               </a:ext>
             </a:extLst>
           </p:cNvPr>
@@ -488,7 +488,7 @@
           <p:cNvPr id="6" name="灯片编号占位符 5">
             <a:extLst>
               <a:ext uri="{FF2B5EF4-FFF2-40B4-BE49-F238E27FC236}">
-                <a16:creationId xmlns:a16="http://schemas.microsoft.com/office/drawing/2014/main" id="{B5ABC653-06E0-7857-4BCE-7B302AB949A9}"/>
+                <a16:creationId xmlns:a16="http://schemas.microsoft.com/office/drawing/2014/main" id="{5F3663F4-AE51-D8EC-784A-9B8946CB0390}"/>
               </a:ext>
             </a:extLst>
           </p:cNvPr>
@@ -504,7 +504,7 @@
           <a:bodyPr/>
           <a:lstStyle/>
           <a:p>
-            <a:fld id="{830B3864-C097-4154-8E65-D8FC3325C949}" type="slidenum">
+            <a:fld id="{C59F0717-8D99-4FE9-9E77-6867175EBD4E}" type="slidenum">
               <a:rPr lang="zh-CN" altLang="en-US" smtClean="0"/>
               <a:t>‹#›</a:t>
             </a:fld>
@@ -515,7 +515,7 @@
     </p:spTree>
     <p:extLst>
       <p:ext uri="{BB962C8B-B14F-4D97-AF65-F5344CB8AC3E}">
-        <p14:creationId xmlns:p14="http://schemas.microsoft.com/office/powerpoint/2010/main" val="2015587989"/>
+        <p14:creationId xmlns:p14="http://schemas.microsoft.com/office/powerpoint/2010/main" val="3236169127"/>
       </p:ext>
     </p:extLst>
   </p:cSld>
@@ -547,7 +547,7 @@
           <p:cNvPr id="2" name="竖排标题 1">
             <a:extLst>
               <a:ext uri="{FF2B5EF4-FFF2-40B4-BE49-F238E27FC236}">
-                <a16:creationId xmlns:a16="http://schemas.microsoft.com/office/drawing/2014/main" id="{4AC1E615-174D-D5F1-1388-9A087FCCF198}"/>
+                <a16:creationId xmlns:a16="http://schemas.microsoft.com/office/drawing/2014/main" id="{F4D40ED5-9CF4-5D5C-5A00-F4218A489CA9}"/>
               </a:ext>
             </a:extLst>
           </p:cNvPr>
@@ -580,7 +580,7 @@
           <p:cNvPr id="3" name="竖排文字占位符 2">
             <a:extLst>
               <a:ext uri="{FF2B5EF4-FFF2-40B4-BE49-F238E27FC236}">
-                <a16:creationId xmlns:a16="http://schemas.microsoft.com/office/drawing/2014/main" id="{BE7D8A3A-6102-C731-402C-4CF4517EA899}"/>
+                <a16:creationId xmlns:a16="http://schemas.microsoft.com/office/drawing/2014/main" id="{81924606-F8AA-B986-72EA-8F5464D0E88B}"/>
               </a:ext>
             </a:extLst>
           </p:cNvPr>
@@ -642,7 +642,7 @@
           <p:cNvPr id="4" name="日期占位符 3">
             <a:extLst>
               <a:ext uri="{FF2B5EF4-FFF2-40B4-BE49-F238E27FC236}">
-                <a16:creationId xmlns:a16="http://schemas.microsoft.com/office/drawing/2014/main" id="{23EE50B1-CEB0-EF28-2261-BF8F1AFE9A65}"/>
+                <a16:creationId xmlns:a16="http://schemas.microsoft.com/office/drawing/2014/main" id="{691ABCD0-4E99-D365-30B2-C21F7604970B}"/>
               </a:ext>
             </a:extLst>
           </p:cNvPr>
@@ -658,7 +658,7 @@
           <a:bodyPr/>
           <a:lstStyle/>
           <a:p>
-            <a:fld id="{B0DE679F-9A7F-4F8F-ACEA-72E189EFFD18}" type="datetimeFigureOut">
+            <a:fld id="{7F365D89-E398-4FB1-AA55-565934BDF833}" type="datetimeFigureOut">
               <a:rPr lang="zh-CN" altLang="en-US" smtClean="0"/>
               <a:t>2024/3/10</a:t>
             </a:fld>
@@ -671,7 +671,7 @@
           <p:cNvPr id="5" name="页脚占位符 4">
             <a:extLst>
               <a:ext uri="{FF2B5EF4-FFF2-40B4-BE49-F238E27FC236}">
-                <a16:creationId xmlns:a16="http://schemas.microsoft.com/office/drawing/2014/main" id="{8F4401C8-748E-68A8-D623-3EFA5BC5013F}"/>
+                <a16:creationId xmlns:a16="http://schemas.microsoft.com/office/drawing/2014/main" id="{CCCDE19C-4A60-6112-A286-25C09E58A90E}"/>
               </a:ext>
             </a:extLst>
           </p:cNvPr>
@@ -696,7 +696,7 @@
           <p:cNvPr id="6" name="灯片编号占位符 5">
             <a:extLst>
               <a:ext uri="{FF2B5EF4-FFF2-40B4-BE49-F238E27FC236}">
-                <a16:creationId xmlns:a16="http://schemas.microsoft.com/office/drawing/2014/main" id="{2F0D7F13-9414-2E44-6141-70AF5E17063F}"/>
+                <a16:creationId xmlns:a16="http://schemas.microsoft.com/office/drawing/2014/main" id="{95952B12-0924-CF83-FACC-BA63EA2EDA1E}"/>
               </a:ext>
             </a:extLst>
           </p:cNvPr>
@@ -712,7 +712,7 @@
           <a:bodyPr/>
           <a:lstStyle/>
           <a:p>
-            <a:fld id="{830B3864-C097-4154-8E65-D8FC3325C949}" type="slidenum">
+            <a:fld id="{C59F0717-8D99-4FE9-9E77-6867175EBD4E}" type="slidenum">
               <a:rPr lang="zh-CN" altLang="en-US" smtClean="0"/>
               <a:t>‹#›</a:t>
             </a:fld>
@@ -723,7 +723,7 @@
     </p:spTree>
     <p:extLst>
       <p:ext uri="{BB962C8B-B14F-4D97-AF65-F5344CB8AC3E}">
-        <p14:creationId xmlns:p14="http://schemas.microsoft.com/office/powerpoint/2010/main" val="2011752884"/>
+        <p14:creationId xmlns:p14="http://schemas.microsoft.com/office/powerpoint/2010/main" val="174946538"/>
       </p:ext>
     </p:extLst>
   </p:cSld>
@@ -755,7 +755,7 @@
           <p:cNvPr id="2" name="标题 1">
             <a:extLst>
               <a:ext uri="{FF2B5EF4-FFF2-40B4-BE49-F238E27FC236}">
-                <a16:creationId xmlns:a16="http://schemas.microsoft.com/office/drawing/2014/main" id="{4920295E-F70C-0CB0-469A-51939FFCCECF}"/>
+                <a16:creationId xmlns:a16="http://schemas.microsoft.com/office/drawing/2014/main" id="{814F08F7-84F7-AFC4-922C-CC25B83C634F}"/>
               </a:ext>
             </a:extLst>
           </p:cNvPr>
@@ -783,7 +783,7 @@
           <p:cNvPr id="3" name="内容占位符 2">
             <a:extLst>
               <a:ext uri="{FF2B5EF4-FFF2-40B4-BE49-F238E27FC236}">
-                <a16:creationId xmlns:a16="http://schemas.microsoft.com/office/drawing/2014/main" id="{6DA33EE1-E5EC-FBDF-8220-F77FDB45FC4F}"/>
+                <a16:creationId xmlns:a16="http://schemas.microsoft.com/office/drawing/2014/main" id="{8FAA4C52-7C06-EBDB-DAEF-690DD5ACACFF}"/>
               </a:ext>
             </a:extLst>
           </p:cNvPr>
@@ -840,7 +840,7 @@
           <p:cNvPr id="4" name="日期占位符 3">
             <a:extLst>
               <a:ext uri="{FF2B5EF4-FFF2-40B4-BE49-F238E27FC236}">
-                <a16:creationId xmlns:a16="http://schemas.microsoft.com/office/drawing/2014/main" id="{8E0A337B-D002-FD42-BAC4-02801B2260C3}"/>
+                <a16:creationId xmlns:a16="http://schemas.microsoft.com/office/drawing/2014/main" id="{AAEE076E-2B82-35C2-DD1F-EBDEB028B305}"/>
               </a:ext>
             </a:extLst>
           </p:cNvPr>
@@ -856,7 +856,7 @@
           <a:bodyPr/>
           <a:lstStyle/>
           <a:p>
-            <a:fld id="{B0DE679F-9A7F-4F8F-ACEA-72E189EFFD18}" type="datetimeFigureOut">
+            <a:fld id="{7F365D89-E398-4FB1-AA55-565934BDF833}" type="datetimeFigureOut">
               <a:rPr lang="zh-CN" altLang="en-US" smtClean="0"/>
               <a:t>2024/3/10</a:t>
             </a:fld>
@@ -869,7 +869,7 @@
           <p:cNvPr id="5" name="页脚占位符 4">
             <a:extLst>
               <a:ext uri="{FF2B5EF4-FFF2-40B4-BE49-F238E27FC236}">
-                <a16:creationId xmlns:a16="http://schemas.microsoft.com/office/drawing/2014/main" id="{CE6D3E53-EF3D-3E3A-EB3E-2E4942FF3323}"/>
+                <a16:creationId xmlns:a16="http://schemas.microsoft.com/office/drawing/2014/main" id="{677AC67B-94A2-5555-AFB5-A5C6EBCA3DEF}"/>
               </a:ext>
             </a:extLst>
           </p:cNvPr>
@@ -894,7 +894,7 @@
           <p:cNvPr id="6" name="灯片编号占位符 5">
             <a:extLst>
               <a:ext uri="{FF2B5EF4-FFF2-40B4-BE49-F238E27FC236}">
-                <a16:creationId xmlns:a16="http://schemas.microsoft.com/office/drawing/2014/main" id="{FAE248C7-3C90-58F2-68D9-628BD176E2B3}"/>
+                <a16:creationId xmlns:a16="http://schemas.microsoft.com/office/drawing/2014/main" id="{FF6BFBA3-CF12-AD81-7E24-C1DE771A0D2F}"/>
               </a:ext>
             </a:extLst>
           </p:cNvPr>
@@ -910,7 +910,7 @@
           <a:bodyPr/>
           <a:lstStyle/>
           <a:p>
-            <a:fld id="{830B3864-C097-4154-8E65-D8FC3325C949}" type="slidenum">
+            <a:fld id="{C59F0717-8D99-4FE9-9E77-6867175EBD4E}" type="slidenum">
               <a:rPr lang="zh-CN" altLang="en-US" smtClean="0"/>
               <a:t>‹#›</a:t>
             </a:fld>
@@ -921,7 +921,7 @@
     </p:spTree>
     <p:extLst>
       <p:ext uri="{BB962C8B-B14F-4D97-AF65-F5344CB8AC3E}">
-        <p14:creationId xmlns:p14="http://schemas.microsoft.com/office/powerpoint/2010/main" val="4047643277"/>
+        <p14:creationId xmlns:p14="http://schemas.microsoft.com/office/powerpoint/2010/main" val="4131224033"/>
       </p:ext>
     </p:extLst>
   </p:cSld>
@@ -953,7 +953,7 @@
           <p:cNvPr id="2" name="标题 1">
             <a:extLst>
               <a:ext uri="{FF2B5EF4-FFF2-40B4-BE49-F238E27FC236}">
-                <a16:creationId xmlns:a16="http://schemas.microsoft.com/office/drawing/2014/main" id="{8B55D6B8-F3CA-90F4-6970-0EDE9CB619E5}"/>
+                <a16:creationId xmlns:a16="http://schemas.microsoft.com/office/drawing/2014/main" id="{E88C7E15-EDC7-BA3E-9863-84C77158F676}"/>
               </a:ext>
             </a:extLst>
           </p:cNvPr>
@@ -990,7 +990,7 @@
           <p:cNvPr id="3" name="文本占位符 2">
             <a:extLst>
               <a:ext uri="{FF2B5EF4-FFF2-40B4-BE49-F238E27FC236}">
-                <a16:creationId xmlns:a16="http://schemas.microsoft.com/office/drawing/2014/main" id="{A66AB834-81E1-A72B-7D43-50707F3ABDAE}"/>
+                <a16:creationId xmlns:a16="http://schemas.microsoft.com/office/drawing/2014/main" id="{75ADE3DD-ACD8-0EB2-A647-121E344D26DE}"/>
               </a:ext>
             </a:extLst>
           </p:cNvPr>
@@ -1115,7 +1115,7 @@
           <p:cNvPr id="4" name="日期占位符 3">
             <a:extLst>
               <a:ext uri="{FF2B5EF4-FFF2-40B4-BE49-F238E27FC236}">
-                <a16:creationId xmlns:a16="http://schemas.microsoft.com/office/drawing/2014/main" id="{D031E848-2B78-FBD5-3038-E5B262E1B6EC}"/>
+                <a16:creationId xmlns:a16="http://schemas.microsoft.com/office/drawing/2014/main" id="{73C51355-C481-EE07-D220-475569A6806F}"/>
               </a:ext>
             </a:extLst>
           </p:cNvPr>
@@ -1131,7 +1131,7 @@
           <a:bodyPr/>
           <a:lstStyle/>
           <a:p>
-            <a:fld id="{B0DE679F-9A7F-4F8F-ACEA-72E189EFFD18}" type="datetimeFigureOut">
+            <a:fld id="{7F365D89-E398-4FB1-AA55-565934BDF833}" type="datetimeFigureOut">
               <a:rPr lang="zh-CN" altLang="en-US" smtClean="0"/>
               <a:t>2024/3/10</a:t>
             </a:fld>
@@ -1144,7 +1144,7 @@
           <p:cNvPr id="5" name="页脚占位符 4">
             <a:extLst>
               <a:ext uri="{FF2B5EF4-FFF2-40B4-BE49-F238E27FC236}">
-                <a16:creationId xmlns:a16="http://schemas.microsoft.com/office/drawing/2014/main" id="{72D1AA4B-37EF-9B20-EA76-E5ECF4EC7F54}"/>
+                <a16:creationId xmlns:a16="http://schemas.microsoft.com/office/drawing/2014/main" id="{8581F47E-E3BF-7C15-A577-8FD1CC79ECD2}"/>
               </a:ext>
             </a:extLst>
           </p:cNvPr>
@@ -1169,7 +1169,7 @@
           <p:cNvPr id="6" name="灯片编号占位符 5">
             <a:extLst>
               <a:ext uri="{FF2B5EF4-FFF2-40B4-BE49-F238E27FC236}">
-                <a16:creationId xmlns:a16="http://schemas.microsoft.com/office/drawing/2014/main" id="{477B2D97-32F3-3733-9A5B-8149029D0094}"/>
+                <a16:creationId xmlns:a16="http://schemas.microsoft.com/office/drawing/2014/main" id="{D8FD215D-E93D-7D75-1247-A5FFCE3A89D2}"/>
               </a:ext>
             </a:extLst>
           </p:cNvPr>
@@ -1185,7 +1185,7 @@
           <a:bodyPr/>
           <a:lstStyle/>
           <a:p>
-            <a:fld id="{830B3864-C097-4154-8E65-D8FC3325C949}" type="slidenum">
+            <a:fld id="{C59F0717-8D99-4FE9-9E77-6867175EBD4E}" type="slidenum">
               <a:rPr lang="zh-CN" altLang="en-US" smtClean="0"/>
               <a:t>‹#›</a:t>
             </a:fld>
@@ -1196,7 +1196,7 @@
     </p:spTree>
     <p:extLst>
       <p:ext uri="{BB962C8B-B14F-4D97-AF65-F5344CB8AC3E}">
-        <p14:creationId xmlns:p14="http://schemas.microsoft.com/office/powerpoint/2010/main" val="3643736850"/>
+        <p14:creationId xmlns:p14="http://schemas.microsoft.com/office/powerpoint/2010/main" val="354910738"/>
       </p:ext>
     </p:extLst>
   </p:cSld>
@@ -1228,7 +1228,7 @@
           <p:cNvPr id="2" name="标题 1">
             <a:extLst>
               <a:ext uri="{FF2B5EF4-FFF2-40B4-BE49-F238E27FC236}">
-                <a16:creationId xmlns:a16="http://schemas.microsoft.com/office/drawing/2014/main" id="{6643E1C3-65E9-C9C2-9F5E-B29D3F81D1E1}"/>
+                <a16:creationId xmlns:a16="http://schemas.microsoft.com/office/drawing/2014/main" id="{F4DB828A-3523-8174-906D-2313831B93E1}"/>
               </a:ext>
             </a:extLst>
           </p:cNvPr>
@@ -1256,7 +1256,7 @@
           <p:cNvPr id="3" name="内容占位符 2">
             <a:extLst>
               <a:ext uri="{FF2B5EF4-FFF2-40B4-BE49-F238E27FC236}">
-                <a16:creationId xmlns:a16="http://schemas.microsoft.com/office/drawing/2014/main" id="{CD05650F-B31C-059D-D81C-BEED757701A9}"/>
+                <a16:creationId xmlns:a16="http://schemas.microsoft.com/office/drawing/2014/main" id="{7C9AE8FF-D57B-00CB-CA73-3B9818A42ACC}"/>
               </a:ext>
             </a:extLst>
           </p:cNvPr>
@@ -1318,7 +1318,7 @@
           <p:cNvPr id="4" name="内容占位符 3">
             <a:extLst>
               <a:ext uri="{FF2B5EF4-FFF2-40B4-BE49-F238E27FC236}">
-                <a16:creationId xmlns:a16="http://schemas.microsoft.com/office/drawing/2014/main" id="{B341F9D9-ED1A-3DE4-92B5-E1B92FADA429}"/>
+                <a16:creationId xmlns:a16="http://schemas.microsoft.com/office/drawing/2014/main" id="{32E84206-CC4B-A37F-FA72-5FD000E11A01}"/>
               </a:ext>
             </a:extLst>
           </p:cNvPr>
@@ -1380,7 +1380,7 @@
           <p:cNvPr id="5" name="日期占位符 4">
             <a:extLst>
               <a:ext uri="{FF2B5EF4-FFF2-40B4-BE49-F238E27FC236}">
-                <a16:creationId xmlns:a16="http://schemas.microsoft.com/office/drawing/2014/main" id="{7BF3B0C0-61A9-4786-83E0-4892B5D9A032}"/>
+                <a16:creationId xmlns:a16="http://schemas.microsoft.com/office/drawing/2014/main" id="{DEF56025-7D09-4A21-FCC7-4B190270034B}"/>
               </a:ext>
             </a:extLst>
           </p:cNvPr>
@@ -1396,7 +1396,7 @@
           <a:bodyPr/>
           <a:lstStyle/>
           <a:p>
-            <a:fld id="{B0DE679F-9A7F-4F8F-ACEA-72E189EFFD18}" type="datetimeFigureOut">
+            <a:fld id="{7F365D89-E398-4FB1-AA55-565934BDF833}" type="datetimeFigureOut">
               <a:rPr lang="zh-CN" altLang="en-US" smtClean="0"/>
               <a:t>2024/3/10</a:t>
             </a:fld>
@@ -1409,7 +1409,7 @@
           <p:cNvPr id="6" name="页脚占位符 5">
             <a:extLst>
               <a:ext uri="{FF2B5EF4-FFF2-40B4-BE49-F238E27FC236}">
-                <a16:creationId xmlns:a16="http://schemas.microsoft.com/office/drawing/2014/main" id="{EEFB4B33-EC4C-C141-B610-7BB9B9D74FC5}"/>
+                <a16:creationId xmlns:a16="http://schemas.microsoft.com/office/drawing/2014/main" id="{B06368E2-C220-ED2A-7B34-82F730B0330C}"/>
               </a:ext>
             </a:extLst>
           </p:cNvPr>
@@ -1434,7 +1434,7 @@
           <p:cNvPr id="7" name="灯片编号占位符 6">
             <a:extLst>
               <a:ext uri="{FF2B5EF4-FFF2-40B4-BE49-F238E27FC236}">
-                <a16:creationId xmlns:a16="http://schemas.microsoft.com/office/drawing/2014/main" id="{F3097E5B-6147-A2C1-4A81-F5FA366F03E1}"/>
+                <a16:creationId xmlns:a16="http://schemas.microsoft.com/office/drawing/2014/main" id="{0F09F081-880C-EED5-BF62-A15B5C63C0BC}"/>
               </a:ext>
             </a:extLst>
           </p:cNvPr>
@@ -1450,7 +1450,7 @@
           <a:bodyPr/>
           <a:lstStyle/>
           <a:p>
-            <a:fld id="{830B3864-C097-4154-8E65-D8FC3325C949}" type="slidenum">
+            <a:fld id="{C59F0717-8D99-4FE9-9E77-6867175EBD4E}" type="slidenum">
               <a:rPr lang="zh-CN" altLang="en-US" smtClean="0"/>
               <a:t>‹#›</a:t>
             </a:fld>
@@ -1461,7 +1461,7 @@
     </p:spTree>
     <p:extLst>
       <p:ext uri="{BB962C8B-B14F-4D97-AF65-F5344CB8AC3E}">
-        <p14:creationId xmlns:p14="http://schemas.microsoft.com/office/powerpoint/2010/main" val="3127698017"/>
+        <p14:creationId xmlns:p14="http://schemas.microsoft.com/office/powerpoint/2010/main" val="1556683065"/>
       </p:ext>
     </p:extLst>
   </p:cSld>
@@ -1493,7 +1493,7 @@
           <p:cNvPr id="2" name="标题 1">
             <a:extLst>
               <a:ext uri="{FF2B5EF4-FFF2-40B4-BE49-F238E27FC236}">
-                <a16:creationId xmlns:a16="http://schemas.microsoft.com/office/drawing/2014/main" id="{28F82D14-B0D5-4EF2-02A5-55C75B29FD8E}"/>
+                <a16:creationId xmlns:a16="http://schemas.microsoft.com/office/drawing/2014/main" id="{480ABED0-4717-CC94-47B2-556E6DB75CF6}"/>
               </a:ext>
             </a:extLst>
           </p:cNvPr>
@@ -1526,7 +1526,7 @@
           <p:cNvPr id="3" name="文本占位符 2">
             <a:extLst>
               <a:ext uri="{FF2B5EF4-FFF2-40B4-BE49-F238E27FC236}">
-                <a16:creationId xmlns:a16="http://schemas.microsoft.com/office/drawing/2014/main" id="{888382F8-963D-232A-34FD-0C8D2B851644}"/>
+                <a16:creationId xmlns:a16="http://schemas.microsoft.com/office/drawing/2014/main" id="{97791D25-5FFF-1568-A013-636CAE9238F9}"/>
               </a:ext>
             </a:extLst>
           </p:cNvPr>
@@ -1597,7 +1597,7 @@
           <p:cNvPr id="4" name="内容占位符 3">
             <a:extLst>
               <a:ext uri="{FF2B5EF4-FFF2-40B4-BE49-F238E27FC236}">
-                <a16:creationId xmlns:a16="http://schemas.microsoft.com/office/drawing/2014/main" id="{E7F25224-9460-4A91-4188-2746DDD4B95B}"/>
+                <a16:creationId xmlns:a16="http://schemas.microsoft.com/office/drawing/2014/main" id="{2DF9E6ED-1D81-351F-A824-2E4D6D5D296E}"/>
               </a:ext>
             </a:extLst>
           </p:cNvPr>
@@ -1659,7 +1659,7 @@
           <p:cNvPr id="5" name="文本占位符 4">
             <a:extLst>
               <a:ext uri="{FF2B5EF4-FFF2-40B4-BE49-F238E27FC236}">
-                <a16:creationId xmlns:a16="http://schemas.microsoft.com/office/drawing/2014/main" id="{44AF1086-F06B-1B8D-6C6F-F002B3C4992E}"/>
+                <a16:creationId xmlns:a16="http://schemas.microsoft.com/office/drawing/2014/main" id="{5AC994C2-C8C1-F48B-0EF9-79138AAC77DD}"/>
               </a:ext>
             </a:extLst>
           </p:cNvPr>
@@ -1730,7 +1730,7 @@
           <p:cNvPr id="6" name="内容占位符 5">
             <a:extLst>
               <a:ext uri="{FF2B5EF4-FFF2-40B4-BE49-F238E27FC236}">
-                <a16:creationId xmlns:a16="http://schemas.microsoft.com/office/drawing/2014/main" id="{29828E16-CD51-2668-7FD0-B85D971574E6}"/>
+                <a16:creationId xmlns:a16="http://schemas.microsoft.com/office/drawing/2014/main" id="{16CFFBEA-0808-9409-3E97-A41716F3E5B5}"/>
               </a:ext>
             </a:extLst>
           </p:cNvPr>
@@ -1792,7 +1792,7 @@
           <p:cNvPr id="7" name="日期占位符 6">
             <a:extLst>
               <a:ext uri="{FF2B5EF4-FFF2-40B4-BE49-F238E27FC236}">
-                <a16:creationId xmlns:a16="http://schemas.microsoft.com/office/drawing/2014/main" id="{FDACB6C1-E291-BB0C-DB7C-C49997AA9C5E}"/>
+                <a16:creationId xmlns:a16="http://schemas.microsoft.com/office/drawing/2014/main" id="{35A3A056-0016-9F93-A323-DB0C910FC2CF}"/>
               </a:ext>
             </a:extLst>
           </p:cNvPr>
@@ -1808,7 +1808,7 @@
           <a:bodyPr/>
           <a:lstStyle/>
           <a:p>
-            <a:fld id="{B0DE679F-9A7F-4F8F-ACEA-72E189EFFD18}" type="datetimeFigureOut">
+            <a:fld id="{7F365D89-E398-4FB1-AA55-565934BDF833}" type="datetimeFigureOut">
               <a:rPr lang="zh-CN" altLang="en-US" smtClean="0"/>
               <a:t>2024/3/10</a:t>
             </a:fld>
@@ -1821,7 +1821,7 @@
           <p:cNvPr id="8" name="页脚占位符 7">
             <a:extLst>
               <a:ext uri="{FF2B5EF4-FFF2-40B4-BE49-F238E27FC236}">
-                <a16:creationId xmlns:a16="http://schemas.microsoft.com/office/drawing/2014/main" id="{2DD064EB-DC66-712B-E1E6-9B179EBF03B3}"/>
+                <a16:creationId xmlns:a16="http://schemas.microsoft.com/office/drawing/2014/main" id="{1AAC1BFF-0E6E-17D2-49E7-816E81F3372A}"/>
               </a:ext>
             </a:extLst>
           </p:cNvPr>
@@ -1846,7 +1846,7 @@
           <p:cNvPr id="9" name="灯片编号占位符 8">
             <a:extLst>
               <a:ext uri="{FF2B5EF4-FFF2-40B4-BE49-F238E27FC236}">
-                <a16:creationId xmlns:a16="http://schemas.microsoft.com/office/drawing/2014/main" id="{D03EB116-015D-828C-503F-2CEE23F28C53}"/>
+                <a16:creationId xmlns:a16="http://schemas.microsoft.com/office/drawing/2014/main" id="{C1A65BCB-1A9E-0B4A-EAA2-082EC9DEF1C2}"/>
               </a:ext>
             </a:extLst>
           </p:cNvPr>
@@ -1862,7 +1862,7 @@
           <a:bodyPr/>
           <a:lstStyle/>
           <a:p>
-            <a:fld id="{830B3864-C097-4154-8E65-D8FC3325C949}" type="slidenum">
+            <a:fld id="{C59F0717-8D99-4FE9-9E77-6867175EBD4E}" type="slidenum">
               <a:rPr lang="zh-CN" altLang="en-US" smtClean="0"/>
               <a:t>‹#›</a:t>
             </a:fld>
@@ -1873,7 +1873,7 @@
     </p:spTree>
     <p:extLst>
       <p:ext uri="{BB962C8B-B14F-4D97-AF65-F5344CB8AC3E}">
-        <p14:creationId xmlns:p14="http://schemas.microsoft.com/office/powerpoint/2010/main" val="43436541"/>
+        <p14:creationId xmlns:p14="http://schemas.microsoft.com/office/powerpoint/2010/main" val="3634378010"/>
       </p:ext>
     </p:extLst>
   </p:cSld>
@@ -1905,7 +1905,7 @@
           <p:cNvPr id="2" name="标题 1">
             <a:extLst>
               <a:ext uri="{FF2B5EF4-FFF2-40B4-BE49-F238E27FC236}">
-                <a16:creationId xmlns:a16="http://schemas.microsoft.com/office/drawing/2014/main" id="{32C9A5BA-54F1-CC5E-5404-69E160082516}"/>
+                <a16:creationId xmlns:a16="http://schemas.microsoft.com/office/drawing/2014/main" id="{BCC67C09-F783-5C07-6F9B-D74D694E992D}"/>
               </a:ext>
             </a:extLst>
           </p:cNvPr>
@@ -1933,7 +1933,7 @@
           <p:cNvPr id="3" name="日期占位符 2">
             <a:extLst>
               <a:ext uri="{FF2B5EF4-FFF2-40B4-BE49-F238E27FC236}">
-                <a16:creationId xmlns:a16="http://schemas.microsoft.com/office/drawing/2014/main" id="{1ECD8177-0C1B-25C8-B0EB-F26D60E7610F}"/>
+                <a16:creationId xmlns:a16="http://schemas.microsoft.com/office/drawing/2014/main" id="{F2CE0907-63EA-A9BE-F30D-06C7444CB176}"/>
               </a:ext>
             </a:extLst>
           </p:cNvPr>
@@ -1949,7 +1949,7 @@
           <a:bodyPr/>
           <a:lstStyle/>
           <a:p>
-            <a:fld id="{B0DE679F-9A7F-4F8F-ACEA-72E189EFFD18}" type="datetimeFigureOut">
+            <a:fld id="{7F365D89-E398-4FB1-AA55-565934BDF833}" type="datetimeFigureOut">
               <a:rPr lang="zh-CN" altLang="en-US" smtClean="0"/>
               <a:t>2024/3/10</a:t>
             </a:fld>
@@ -1962,7 +1962,7 @@
           <p:cNvPr id="4" name="页脚占位符 3">
             <a:extLst>
               <a:ext uri="{FF2B5EF4-FFF2-40B4-BE49-F238E27FC236}">
-                <a16:creationId xmlns:a16="http://schemas.microsoft.com/office/drawing/2014/main" id="{DE36ADC2-4EFC-C49C-230C-869946621B48}"/>
+                <a16:creationId xmlns:a16="http://schemas.microsoft.com/office/drawing/2014/main" id="{B127A4F8-AB77-2672-5F60-892301693481}"/>
               </a:ext>
             </a:extLst>
           </p:cNvPr>
@@ -1987,7 +1987,7 @@
           <p:cNvPr id="5" name="灯片编号占位符 4">
             <a:extLst>
               <a:ext uri="{FF2B5EF4-FFF2-40B4-BE49-F238E27FC236}">
-                <a16:creationId xmlns:a16="http://schemas.microsoft.com/office/drawing/2014/main" id="{DDE91DA2-C9AF-8357-98CA-E1E154E1B7F6}"/>
+                <a16:creationId xmlns:a16="http://schemas.microsoft.com/office/drawing/2014/main" id="{E38EF0ED-0ED5-7880-8BC5-DB4852C307B2}"/>
               </a:ext>
             </a:extLst>
           </p:cNvPr>
@@ -2003,7 +2003,7 @@
           <a:bodyPr/>
           <a:lstStyle/>
           <a:p>
-            <a:fld id="{830B3864-C097-4154-8E65-D8FC3325C949}" type="slidenum">
+            <a:fld id="{C59F0717-8D99-4FE9-9E77-6867175EBD4E}" type="slidenum">
               <a:rPr lang="zh-CN" altLang="en-US" smtClean="0"/>
               <a:t>‹#›</a:t>
             </a:fld>
@@ -2014,7 +2014,7 @@
     </p:spTree>
     <p:extLst>
       <p:ext uri="{BB962C8B-B14F-4D97-AF65-F5344CB8AC3E}">
-        <p14:creationId xmlns:p14="http://schemas.microsoft.com/office/powerpoint/2010/main" val="1226090000"/>
+        <p14:creationId xmlns:p14="http://schemas.microsoft.com/office/powerpoint/2010/main" val="2894531235"/>
       </p:ext>
     </p:extLst>
   </p:cSld>
@@ -2046,7 +2046,7 @@
           <p:cNvPr id="2" name="日期占位符 1">
             <a:extLst>
               <a:ext uri="{FF2B5EF4-FFF2-40B4-BE49-F238E27FC236}">
-                <a16:creationId xmlns:a16="http://schemas.microsoft.com/office/drawing/2014/main" id="{FF7D9E4D-8123-6105-1823-A5778CD2228C}"/>
+                <a16:creationId xmlns:a16="http://schemas.microsoft.com/office/drawing/2014/main" id="{6FAD04DE-9BFE-BB4C-D6D6-0F84C9B43C13}"/>
               </a:ext>
             </a:extLst>
           </p:cNvPr>
@@ -2062,7 +2062,7 @@
           <a:bodyPr/>
           <a:lstStyle/>
           <a:p>
-            <a:fld id="{B0DE679F-9A7F-4F8F-ACEA-72E189EFFD18}" type="datetimeFigureOut">
+            <a:fld id="{7F365D89-E398-4FB1-AA55-565934BDF833}" type="datetimeFigureOut">
               <a:rPr lang="zh-CN" altLang="en-US" smtClean="0"/>
               <a:t>2024/3/10</a:t>
             </a:fld>
@@ -2075,7 +2075,7 @@
           <p:cNvPr id="3" name="页脚占位符 2">
             <a:extLst>
               <a:ext uri="{FF2B5EF4-FFF2-40B4-BE49-F238E27FC236}">
-                <a16:creationId xmlns:a16="http://schemas.microsoft.com/office/drawing/2014/main" id="{B61655B3-653A-9B6F-C291-7D1F0704ECAF}"/>
+                <a16:creationId xmlns:a16="http://schemas.microsoft.com/office/drawing/2014/main" id="{C809F654-5F32-198C-14EC-AD5B7D117307}"/>
               </a:ext>
             </a:extLst>
           </p:cNvPr>
@@ -2100,7 +2100,7 @@
           <p:cNvPr id="4" name="灯片编号占位符 3">
             <a:extLst>
               <a:ext uri="{FF2B5EF4-FFF2-40B4-BE49-F238E27FC236}">
-                <a16:creationId xmlns:a16="http://schemas.microsoft.com/office/drawing/2014/main" id="{0C118931-2F92-1CAB-4C8E-6235A3074831}"/>
+                <a16:creationId xmlns:a16="http://schemas.microsoft.com/office/drawing/2014/main" id="{7C4975DF-692B-7363-3EF5-3A949565EFC4}"/>
               </a:ext>
             </a:extLst>
           </p:cNvPr>
@@ -2116,7 +2116,7 @@
           <a:bodyPr/>
           <a:lstStyle/>
           <a:p>
-            <a:fld id="{830B3864-C097-4154-8E65-D8FC3325C949}" type="slidenum">
+            <a:fld id="{C59F0717-8D99-4FE9-9E77-6867175EBD4E}" type="slidenum">
               <a:rPr lang="zh-CN" altLang="en-US" smtClean="0"/>
               <a:t>‹#›</a:t>
             </a:fld>
@@ -2127,7 +2127,7 @@
     </p:spTree>
     <p:extLst>
       <p:ext uri="{BB962C8B-B14F-4D97-AF65-F5344CB8AC3E}">
-        <p14:creationId xmlns:p14="http://schemas.microsoft.com/office/powerpoint/2010/main" val="3337101059"/>
+        <p14:creationId xmlns:p14="http://schemas.microsoft.com/office/powerpoint/2010/main" val="2257292901"/>
       </p:ext>
     </p:extLst>
   </p:cSld>
@@ -2159,7 +2159,7 @@
           <p:cNvPr id="2" name="标题 1">
             <a:extLst>
               <a:ext uri="{FF2B5EF4-FFF2-40B4-BE49-F238E27FC236}">
-                <a16:creationId xmlns:a16="http://schemas.microsoft.com/office/drawing/2014/main" id="{4A24846D-8E7E-877A-EDB8-80655F58E68B}"/>
+                <a16:creationId xmlns:a16="http://schemas.microsoft.com/office/drawing/2014/main" id="{D5C3B692-8A28-A453-0285-9D6D39610480}"/>
               </a:ext>
             </a:extLst>
           </p:cNvPr>
@@ -2196,7 +2196,7 @@
           <p:cNvPr id="3" name="内容占位符 2">
             <a:extLst>
               <a:ext uri="{FF2B5EF4-FFF2-40B4-BE49-F238E27FC236}">
-                <a16:creationId xmlns:a16="http://schemas.microsoft.com/office/drawing/2014/main" id="{5989FE34-7D4F-F0DE-20FC-A3DA37D62CF8}"/>
+                <a16:creationId xmlns:a16="http://schemas.microsoft.com/office/drawing/2014/main" id="{982F3718-E9B4-79A1-E157-17E3B71390B0}"/>
               </a:ext>
             </a:extLst>
           </p:cNvPr>
@@ -2286,7 +2286,7 @@
           <p:cNvPr id="4" name="文本占位符 3">
             <a:extLst>
               <a:ext uri="{FF2B5EF4-FFF2-40B4-BE49-F238E27FC236}">
-                <a16:creationId xmlns:a16="http://schemas.microsoft.com/office/drawing/2014/main" id="{57BC2D33-94C1-6AD6-18F7-6C2873D9ED5B}"/>
+                <a16:creationId xmlns:a16="http://schemas.microsoft.com/office/drawing/2014/main" id="{8055FCFE-87AC-C703-DC6F-CAFFEEA99915}"/>
               </a:ext>
             </a:extLst>
           </p:cNvPr>
@@ -2357,7 +2357,7 @@
           <p:cNvPr id="5" name="日期占位符 4">
             <a:extLst>
               <a:ext uri="{FF2B5EF4-FFF2-40B4-BE49-F238E27FC236}">
-                <a16:creationId xmlns:a16="http://schemas.microsoft.com/office/drawing/2014/main" id="{C2AADB85-D482-E888-066B-87F1BAB60ACA}"/>
+                <a16:creationId xmlns:a16="http://schemas.microsoft.com/office/drawing/2014/main" id="{C9450252-781F-426D-7F7B-EF966DE0590B}"/>
               </a:ext>
             </a:extLst>
           </p:cNvPr>
@@ -2373,7 +2373,7 @@
           <a:bodyPr/>
           <a:lstStyle/>
           <a:p>
-            <a:fld id="{B0DE679F-9A7F-4F8F-ACEA-72E189EFFD18}" type="datetimeFigureOut">
+            <a:fld id="{7F365D89-E398-4FB1-AA55-565934BDF833}" type="datetimeFigureOut">
               <a:rPr lang="zh-CN" altLang="en-US" smtClean="0"/>
               <a:t>2024/3/10</a:t>
             </a:fld>
@@ -2386,7 +2386,7 @@
           <p:cNvPr id="6" name="页脚占位符 5">
             <a:extLst>
               <a:ext uri="{FF2B5EF4-FFF2-40B4-BE49-F238E27FC236}">
-                <a16:creationId xmlns:a16="http://schemas.microsoft.com/office/drawing/2014/main" id="{610A1B8F-2A40-BBF4-508B-5AB9BC749649}"/>
+                <a16:creationId xmlns:a16="http://schemas.microsoft.com/office/drawing/2014/main" id="{8535D468-B01B-C5AE-FC6A-337BBDB0A068}"/>
               </a:ext>
             </a:extLst>
           </p:cNvPr>
@@ -2411,7 +2411,7 @@
           <p:cNvPr id="7" name="灯片编号占位符 6">
             <a:extLst>
               <a:ext uri="{FF2B5EF4-FFF2-40B4-BE49-F238E27FC236}">
-                <a16:creationId xmlns:a16="http://schemas.microsoft.com/office/drawing/2014/main" id="{0E8C584E-FCA4-D551-FBB6-FFB0E4297DB7}"/>
+                <a16:creationId xmlns:a16="http://schemas.microsoft.com/office/drawing/2014/main" id="{B4B73C2F-9EDA-DF88-326D-ED6AF19BFFD7}"/>
               </a:ext>
             </a:extLst>
           </p:cNvPr>
@@ -2427,7 +2427,7 @@
           <a:bodyPr/>
           <a:lstStyle/>
           <a:p>
-            <a:fld id="{830B3864-C097-4154-8E65-D8FC3325C949}" type="slidenum">
+            <a:fld id="{C59F0717-8D99-4FE9-9E77-6867175EBD4E}" type="slidenum">
               <a:rPr lang="zh-CN" altLang="en-US" smtClean="0"/>
               <a:t>‹#›</a:t>
             </a:fld>
@@ -2438,7 +2438,7 @@
     </p:spTree>
     <p:extLst>
       <p:ext uri="{BB962C8B-B14F-4D97-AF65-F5344CB8AC3E}">
-        <p14:creationId xmlns:p14="http://schemas.microsoft.com/office/powerpoint/2010/main" val="3668798011"/>
+        <p14:creationId xmlns:p14="http://schemas.microsoft.com/office/powerpoint/2010/main" val="374984280"/>
       </p:ext>
     </p:extLst>
   </p:cSld>
@@ -2470,7 +2470,7 @@
           <p:cNvPr id="2" name="标题 1">
             <a:extLst>
               <a:ext uri="{FF2B5EF4-FFF2-40B4-BE49-F238E27FC236}">
-                <a16:creationId xmlns:a16="http://schemas.microsoft.com/office/drawing/2014/main" id="{C902ECAD-6A5F-A44D-7E29-00341486D31E}"/>
+                <a16:creationId xmlns:a16="http://schemas.microsoft.com/office/drawing/2014/main" id="{ED864BD5-8C92-E8B4-826D-B73CA093EABD}"/>
               </a:ext>
             </a:extLst>
           </p:cNvPr>
@@ -2507,7 +2507,7 @@
           <p:cNvPr id="3" name="图片占位符 2">
             <a:extLst>
               <a:ext uri="{FF2B5EF4-FFF2-40B4-BE49-F238E27FC236}">
-                <a16:creationId xmlns:a16="http://schemas.microsoft.com/office/drawing/2014/main" id="{C1BEADA6-285B-C2A1-0C5A-1F8783E131DA}"/>
+                <a16:creationId xmlns:a16="http://schemas.microsoft.com/office/drawing/2014/main" id="{128A504C-3596-EEF9-E17F-9598FDF4B1BF}"/>
               </a:ext>
             </a:extLst>
           </p:cNvPr>
@@ -2574,7 +2574,7 @@
           <p:cNvPr id="4" name="文本占位符 3">
             <a:extLst>
               <a:ext uri="{FF2B5EF4-FFF2-40B4-BE49-F238E27FC236}">
-                <a16:creationId xmlns:a16="http://schemas.microsoft.com/office/drawing/2014/main" id="{846D42F7-1DCD-B4E6-31AF-518A91CFE987}"/>
+                <a16:creationId xmlns:a16="http://schemas.microsoft.com/office/drawing/2014/main" id="{4D6697A4-3C0F-4949-7C2A-65E48982E75C}"/>
               </a:ext>
             </a:extLst>
           </p:cNvPr>
@@ -2645,7 +2645,7 @@
           <p:cNvPr id="5" name="日期占位符 4">
             <a:extLst>
               <a:ext uri="{FF2B5EF4-FFF2-40B4-BE49-F238E27FC236}">
-                <a16:creationId xmlns:a16="http://schemas.microsoft.com/office/drawing/2014/main" id="{453782C4-AD02-2C5B-8D9C-4D05157786AC}"/>
+                <a16:creationId xmlns:a16="http://schemas.microsoft.com/office/drawing/2014/main" id="{76932F7C-3A19-B4A2-E7CB-7F39A1C976D6}"/>
               </a:ext>
             </a:extLst>
           </p:cNvPr>
@@ -2661,7 +2661,7 @@
           <a:bodyPr/>
           <a:lstStyle/>
           <a:p>
-            <a:fld id="{B0DE679F-9A7F-4F8F-ACEA-72E189EFFD18}" type="datetimeFigureOut">
+            <a:fld id="{7F365D89-E398-4FB1-AA55-565934BDF833}" type="datetimeFigureOut">
               <a:rPr lang="zh-CN" altLang="en-US" smtClean="0"/>
               <a:t>2024/3/10</a:t>
             </a:fld>
@@ -2674,7 +2674,7 @@
           <p:cNvPr id="6" name="页脚占位符 5">
             <a:extLst>
               <a:ext uri="{FF2B5EF4-FFF2-40B4-BE49-F238E27FC236}">
-                <a16:creationId xmlns:a16="http://schemas.microsoft.com/office/drawing/2014/main" id="{A20847D5-F999-3675-9C49-38A67B782252}"/>
+                <a16:creationId xmlns:a16="http://schemas.microsoft.com/office/drawing/2014/main" id="{1A705C89-8FBB-0FC7-FB9B-8F38573067C0}"/>
               </a:ext>
             </a:extLst>
           </p:cNvPr>
@@ -2699,7 +2699,7 @@
           <p:cNvPr id="7" name="灯片编号占位符 6">
             <a:extLst>
               <a:ext uri="{FF2B5EF4-FFF2-40B4-BE49-F238E27FC236}">
-                <a16:creationId xmlns:a16="http://schemas.microsoft.com/office/drawing/2014/main" id="{D618027B-DA21-E1C3-4C2D-0E1D11EADFC6}"/>
+                <a16:creationId xmlns:a16="http://schemas.microsoft.com/office/drawing/2014/main" id="{EDDC65C7-9FEE-387A-841D-E42489E804F2}"/>
               </a:ext>
             </a:extLst>
           </p:cNvPr>
@@ -2715,7 +2715,7 @@
           <a:bodyPr/>
           <a:lstStyle/>
           <a:p>
-            <a:fld id="{830B3864-C097-4154-8E65-D8FC3325C949}" type="slidenum">
+            <a:fld id="{C59F0717-8D99-4FE9-9E77-6867175EBD4E}" type="slidenum">
               <a:rPr lang="zh-CN" altLang="en-US" smtClean="0"/>
               <a:t>‹#›</a:t>
             </a:fld>
@@ -2726,7 +2726,7 @@
     </p:spTree>
     <p:extLst>
       <p:ext uri="{BB962C8B-B14F-4D97-AF65-F5344CB8AC3E}">
-        <p14:creationId xmlns:p14="http://schemas.microsoft.com/office/powerpoint/2010/main" val="267444538"/>
+        <p14:creationId xmlns:p14="http://schemas.microsoft.com/office/powerpoint/2010/main" val="755279438"/>
       </p:ext>
     </p:extLst>
   </p:cSld>
@@ -2763,7 +2763,7 @@
           <p:cNvPr id="2" name="标题占位符 1">
             <a:extLst>
               <a:ext uri="{FF2B5EF4-FFF2-40B4-BE49-F238E27FC236}">
-                <a16:creationId xmlns:a16="http://schemas.microsoft.com/office/drawing/2014/main" id="{425F77D4-330B-A3BC-ABE3-55E27FE4E06D}"/>
+                <a16:creationId xmlns:a16="http://schemas.microsoft.com/office/drawing/2014/main" id="{251DCE59-0AB5-FB08-0B15-2885897B0416}"/>
               </a:ext>
             </a:extLst>
           </p:cNvPr>
@@ -2801,7 +2801,7 @@
           <p:cNvPr id="3" name="文本占位符 2">
             <a:extLst>
               <a:ext uri="{FF2B5EF4-FFF2-40B4-BE49-F238E27FC236}">
-                <a16:creationId xmlns:a16="http://schemas.microsoft.com/office/drawing/2014/main" id="{3413F3FC-12FC-FA8B-37D8-96B26DA1AD3F}"/>
+                <a16:creationId xmlns:a16="http://schemas.microsoft.com/office/drawing/2014/main" id="{B3F62484-B739-4F09-E752-905073DA9CC2}"/>
               </a:ext>
             </a:extLst>
           </p:cNvPr>
@@ -2868,7 +2868,7 @@
           <p:cNvPr id="4" name="日期占位符 3">
             <a:extLst>
               <a:ext uri="{FF2B5EF4-FFF2-40B4-BE49-F238E27FC236}">
-                <a16:creationId xmlns:a16="http://schemas.microsoft.com/office/drawing/2014/main" id="{2D524771-3B33-CBA1-D652-4B6575237A6A}"/>
+                <a16:creationId xmlns:a16="http://schemas.microsoft.com/office/drawing/2014/main" id="{5E156B9D-829E-EDC5-F66E-22FF59006D3C}"/>
               </a:ext>
             </a:extLst>
           </p:cNvPr>
@@ -2902,7 +2902,7 @@
             </a:lvl1pPr>
           </a:lstStyle>
           <a:p>
-            <a:fld id="{B0DE679F-9A7F-4F8F-ACEA-72E189EFFD18}" type="datetimeFigureOut">
+            <a:fld id="{7F365D89-E398-4FB1-AA55-565934BDF833}" type="datetimeFigureOut">
               <a:rPr lang="zh-CN" altLang="en-US" smtClean="0"/>
               <a:t>2024/3/10</a:t>
             </a:fld>
@@ -2915,7 +2915,7 @@
           <p:cNvPr id="5" name="页脚占位符 4">
             <a:extLst>
               <a:ext uri="{FF2B5EF4-FFF2-40B4-BE49-F238E27FC236}">
-                <a16:creationId xmlns:a16="http://schemas.microsoft.com/office/drawing/2014/main" id="{238939B8-B65A-04F8-AF3D-D259B63FB889}"/>
+                <a16:creationId xmlns:a16="http://schemas.microsoft.com/office/drawing/2014/main" id="{A73E32C1-2F8A-6F58-EBC5-A87D7690BF56}"/>
               </a:ext>
             </a:extLst>
           </p:cNvPr>
@@ -2958,7 +2958,7 @@
           <p:cNvPr id="6" name="灯片编号占位符 5">
             <a:extLst>
               <a:ext uri="{FF2B5EF4-FFF2-40B4-BE49-F238E27FC236}">
-                <a16:creationId xmlns:a16="http://schemas.microsoft.com/office/drawing/2014/main" id="{3AF0B0EE-A169-D0A7-A918-C7843D82D4A9}"/>
+                <a16:creationId xmlns:a16="http://schemas.microsoft.com/office/drawing/2014/main" id="{93C29620-113A-4BDF-D114-7FD6FEF88D80}"/>
               </a:ext>
             </a:extLst>
           </p:cNvPr>
@@ -2992,7 +2992,7 @@
             </a:lvl1pPr>
           </a:lstStyle>
           <a:p>
-            <a:fld id="{830B3864-C097-4154-8E65-D8FC3325C949}" type="slidenum">
+            <a:fld id="{C59F0717-8D99-4FE9-9E77-6867175EBD4E}" type="slidenum">
               <a:rPr lang="zh-CN" altLang="en-US" smtClean="0"/>
               <a:t>‹#›</a:t>
             </a:fld>
@@ -3003,7 +3003,7 @@
     </p:spTree>
     <p:extLst>
       <p:ext uri="{BB962C8B-B14F-4D97-AF65-F5344CB8AC3E}">
-        <p14:creationId xmlns:p14="http://schemas.microsoft.com/office/powerpoint/2010/main" val="3174514281"/>
+        <p14:creationId xmlns:p14="http://schemas.microsoft.com/office/powerpoint/2010/main" val="2373644305"/>
       </p:ext>
     </p:extLst>
   </p:cSld>
